--- a/PPT/reference.pptx
+++ b/PPT/reference.pptx
@@ -9,15 +9,15 @@
   </p:notesMasterIdLst>
   <p:sldIdLst>
     <p:sldId id="256" r:id="rId3"/>
-    <p:sldId id="257" r:id="rId4"/>
-    <p:sldId id="258" r:id="rId5"/>
-    <p:sldId id="259" r:id="rId6"/>
+    <p:sldId id="258" r:id="rId4"/>
+    <p:sldId id="259" r:id="rId5"/>
+    <p:sldId id="262" r:id="rId6"/>
     <p:sldId id="260" r:id="rId7"/>
     <p:sldId id="261" r:id="rId8"/>
-    <p:sldId id="262" r:id="rId10"/>
-    <p:sldId id="263" r:id="rId11"/>
-    <p:sldId id="265" r:id="rId12"/>
-    <p:sldId id="264" r:id="rId13"/>
+    <p:sldId id="263" r:id="rId10"/>
+    <p:sldId id="265" r:id="rId11"/>
+    <p:sldId id="264" r:id="rId12"/>
+    <p:sldId id="257" r:id="rId13"/>
   </p:sldIdLst>
   <p:sldSz cx="12192000" cy="6858000"/>
   <p:notesSz cx="6858000" cy="9144000"/>
@@ -782,6 +782,7 @@
   <p:clrMapOvr>
     <a:masterClrMapping/>
   </p:clrMapOvr>
+  <p:hf hdr="0" ftr="0" dt="0"/>
 </p:sldLayout>
 </file>
 
@@ -949,6 +950,7 @@
   <p:clrMapOvr>
     <a:masterClrMapping/>
   </p:clrMapOvr>
+  <p:hf hdr="0" ftr="0" dt="0"/>
 </p:sldLayout>
 </file>
 
@@ -1126,6 +1128,7 @@
   <p:clrMapOvr>
     <a:masterClrMapping/>
   </p:clrMapOvr>
+  <p:hf hdr="0" ftr="0" dt="0"/>
 </p:sldLayout>
 </file>
 
@@ -1293,6 +1296,7 @@
   <p:clrMapOvr>
     <a:masterClrMapping/>
   </p:clrMapOvr>
+  <p:hf hdr="0" ftr="0" dt="0"/>
 </p:sldLayout>
 </file>
 
@@ -1533,6 +1537,7 @@
   <p:clrMapOvr>
     <a:masterClrMapping/>
   </p:clrMapOvr>
+  <p:hf hdr="0" ftr="0" dt="0"/>
 </p:sldLayout>
 </file>
 
@@ -1766,6 +1771,7 @@
   <p:clrMapOvr>
     <a:masterClrMapping/>
   </p:clrMapOvr>
+  <p:hf hdr="0" ftr="0" dt="0"/>
 </p:sldLayout>
 </file>
 
@@ -2136,6 +2142,7 @@
   <p:clrMapOvr>
     <a:masterClrMapping/>
   </p:clrMapOvr>
+  <p:hf hdr="0" ftr="0" dt="0"/>
 </p:sldLayout>
 </file>
 
@@ -2247,6 +2254,7 @@
   <p:clrMapOvr>
     <a:masterClrMapping/>
   </p:clrMapOvr>
+  <p:hf hdr="0" ftr="0" dt="0"/>
 </p:sldLayout>
 </file>
 
@@ -2335,6 +2343,7 @@
   <p:clrMapOvr>
     <a:masterClrMapping/>
   </p:clrMapOvr>
+  <p:hf hdr="0" ftr="0" dt="0"/>
 </p:sldLayout>
 </file>
 
@@ -2610,6 +2619,7 @@
   <p:clrMapOvr>
     <a:masterClrMapping/>
   </p:clrMapOvr>
+  <p:hf hdr="0" ftr="0" dt="0"/>
 </p:sldLayout>
 </file>
 
@@ -2857,6 +2867,7 @@
   <p:clrMapOvr>
     <a:masterClrMapping/>
   </p:clrMapOvr>
+  <p:hf hdr="0" ftr="0" dt="0"/>
 </p:sldLayout>
 </file>
 
@@ -3114,6 +3125,7 @@
     <p:sldLayoutId id="2147483658" r:id="rId10"/>
     <p:sldLayoutId id="2147483659" r:id="rId11"/>
   </p:sldLayoutIdLst>
+  <p:hf hdr="0" ftr="0" dt="0"/>
   <p:txStyles>
     <p:titleStyle>
       <a:lvl1pPr algn="l" defTabSz="914400" rtl="0" eaLnBrk="1" latinLnBrk="0" hangingPunct="1">
@@ -3451,6 +3463,27 @@
           </a:p>
         </p:txBody>
       </p:sp>
+      <p:sp>
+        <p:nvSpPr>
+          <p:cNvPr id="4" name="灯片编号占位符 3"/>
+          <p:cNvSpPr>
+            <a:spLocks noGrp="1"/>
+          </p:cNvSpPr>
+          <p:nvPr>
+            <p:ph type="sldNum" sz="quarter" idx="12"/>
+          </p:nvPr>
+        </p:nvSpPr>
+        <p:spPr/>
+        <p:txBody>
+          <a:bodyPr/>
+          <a:p>
+            <a:fld id="{565CE74E-AB26-4998-AD42-012C4C1AD076}" type="slidenum">
+              <a:rPr lang="zh-CN" altLang="en-US" smtClean="0"/>
+            </a:fld>
+            <a:endParaRPr lang="zh-CN" altLang="en-US"/>
+          </a:p>
+        </p:txBody>
+      </p:sp>
     </p:spTree>
   </p:cSld>
   <p:clrMapOvr>
@@ -3460,7 +3493,7 @@
 </file>
 
 <file path=ppt/slides/slide10.xml><?xml version="1.0" encoding="utf-8"?>
-<p:sld xmlns:a="http://schemas.openxmlformats.org/drawingml/2006/main" xmlns:r="http://schemas.openxmlformats.org/officeDocument/2006/relationships" xmlns:p="http://schemas.openxmlformats.org/presentationml/2006/main">
+<p:sld xmlns:a="http://schemas.openxmlformats.org/drawingml/2006/main" xmlns:r="http://schemas.openxmlformats.org/officeDocument/2006/relationships" xmlns:p="http://schemas.openxmlformats.org/presentationml/2006/main" show="0">
   <p:cSld>
     <p:spTree>
       <p:nvGrpSpPr>
@@ -3501,31 +3534,77 @@
         <p:txBody>
           <a:bodyPr/>
           <a:p>
-            <a:pPr marL="0" indent="0">
+            <a:r>
+              <a:rPr lang="en-US" altLang="zh-CN"/>
+              <a:t>     17 normal paper</a:t>
+            </a:r>
+            <a:endParaRPr lang="en-US" altLang="zh-CN"/>
+          </a:p>
+          <a:p>
+            <a:pPr marL="0" indent="457200">
               <a:buNone/>
             </a:pPr>
             <a:r>
-              <a:rPr lang="en-US" altLang="en-US"/>
-              <a:t>&gt; </a:t>
-            </a:r>
-            <a:r>
-              <a:rPr lang="zh-CN" altLang="en-US"/>
-              <a:t>A Survey on Simulation for Weight Perception in Virtual Reality</a:t>
-            </a:r>
-            <a:endParaRPr lang="zh-CN" altLang="en-US"/>
-          </a:p>
-          <a:p>
-            <a:endParaRPr lang="zh-CN" altLang="en-US"/>
-          </a:p>
-          <a:p>
-            <a:r>
               <a:rPr lang="en-US" altLang="zh-CN"/>
-              <a:t>I</a:t>
-            </a:r>
-            <a:r>
-              <a:rPr lang="zh-CN" altLang="en-US"/>
-              <a:t>nconsistency of vistual feedback and real hand motion</a:t>
-            </a:r>
+              <a:t>+4   EMS haptic device</a:t>
+            </a:r>
+            <a:endParaRPr lang="en-US" altLang="zh-CN"/>
+          </a:p>
+          <a:p>
+            <a:pPr marL="0" indent="457200">
+              <a:buNone/>
+            </a:pPr>
+            <a:r>
+              <a:rPr lang="en-US" altLang="zh-CN"/>
+              <a:t>+5	  </a:t>
+            </a:r>
+            <a:r>
+              <a:rPr lang="en-US" altLang="zh-CN">
+                <a:sym typeface="+mn-ea"/>
+              </a:rPr>
+              <a:t>Microsoft Research</a:t>
+            </a:r>
+            <a:endParaRPr lang="en-US" altLang="zh-CN"/>
+          </a:p>
+          <a:p>
+            <a:pPr marL="0" indent="457200">
+              <a:buNone/>
+            </a:pPr>
+            <a:r>
+              <a:rPr lang="en-US" altLang="zh-CN"/>
+              <a:t>+6	  Survey</a:t>
+            </a:r>
+            <a:endParaRPr lang="en-US" altLang="zh-CN"/>
+          </a:p>
+          <a:p>
+            <a:pPr marL="0" indent="457200">
+              <a:buNone/>
+            </a:pPr>
+            <a:r>
+              <a:rPr lang="en-US" altLang="zh-CN"/>
+              <a:t>=32 reference</a:t>
+            </a:r>
+            <a:endParaRPr lang="en-US" altLang="zh-CN"/>
+          </a:p>
+        </p:txBody>
+      </p:sp>
+      <p:sp>
+        <p:nvSpPr>
+          <p:cNvPr id="4" name="灯片编号占位符 3"/>
+          <p:cNvSpPr>
+            <a:spLocks noGrp="1"/>
+          </p:cNvSpPr>
+          <p:nvPr>
+            <p:ph type="sldNum" sz="quarter" idx="12"/>
+          </p:nvPr>
+        </p:nvSpPr>
+        <p:spPr/>
+        <p:txBody>
+          <a:bodyPr/>
+          <a:p>
+            <a:fld id="{565CE74E-AB26-4998-AD42-012C4C1AD076}" type="slidenum">
+              <a:rPr lang="zh-CN" altLang="en-US" smtClean="0"/>
+            </a:fld>
             <a:endParaRPr lang="zh-CN" altLang="en-US"/>
           </a:p>
         </p:txBody>
@@ -3535,114 +3614,11 @@
   <p:clrMapOvr>
     <a:masterClrMapping/>
   </p:clrMapOvr>
+  <p:transition/>
 </p:sld>
 </file>
 
 <file path=ppt/slides/slide2.xml><?xml version="1.0" encoding="utf-8"?>
-<p:sld xmlns:a="http://schemas.openxmlformats.org/drawingml/2006/main" xmlns:r="http://schemas.openxmlformats.org/officeDocument/2006/relationships" xmlns:p="http://schemas.openxmlformats.org/presentationml/2006/main">
-  <p:cSld>
-    <p:spTree>
-      <p:nvGrpSpPr>
-        <p:cNvPr id="1" name=""/>
-        <p:cNvGrpSpPr/>
-        <p:nvPr/>
-      </p:nvGrpSpPr>
-      <p:grpSpPr/>
-      <p:sp>
-        <p:nvSpPr>
-          <p:cNvPr id="2" name="标题 1"/>
-          <p:cNvSpPr>
-            <a:spLocks noGrp="1"/>
-          </p:cNvSpPr>
-          <p:nvPr>
-            <p:ph type="title"/>
-          </p:nvPr>
-        </p:nvSpPr>
-        <p:spPr/>
-        <p:txBody>
-          <a:bodyPr/>
-          <a:p>
-            <a:endParaRPr lang="zh-CN" altLang="en-US"/>
-          </a:p>
-        </p:txBody>
-      </p:sp>
-      <p:sp>
-        <p:nvSpPr>
-          <p:cNvPr id="3" name="内容占位符 2"/>
-          <p:cNvSpPr>
-            <a:spLocks noGrp="1"/>
-          </p:cNvSpPr>
-          <p:nvPr>
-            <p:ph idx="1"/>
-          </p:nvPr>
-        </p:nvSpPr>
-        <p:spPr/>
-        <p:txBody>
-          <a:bodyPr/>
-          <a:p>
-            <a:r>
-              <a:rPr lang="en-US" altLang="zh-CN"/>
-              <a:t>     17 normal paper</a:t>
-            </a:r>
-            <a:endParaRPr lang="en-US" altLang="zh-CN"/>
-          </a:p>
-          <a:p>
-            <a:pPr marL="0" indent="457200">
-              <a:buNone/>
-            </a:pPr>
-            <a:r>
-              <a:rPr lang="en-US" altLang="zh-CN"/>
-              <a:t>+4   EMS haptic device</a:t>
-            </a:r>
-            <a:endParaRPr lang="en-US" altLang="zh-CN"/>
-          </a:p>
-          <a:p>
-            <a:pPr marL="0" indent="457200">
-              <a:buNone/>
-            </a:pPr>
-            <a:r>
-              <a:rPr lang="en-US" altLang="zh-CN"/>
-              <a:t>+5	  </a:t>
-            </a:r>
-            <a:r>
-              <a:rPr lang="en-US" altLang="zh-CN">
-                <a:sym typeface="+mn-ea"/>
-              </a:rPr>
-              <a:t>Microsoft Research</a:t>
-            </a:r>
-            <a:endParaRPr lang="en-US" altLang="zh-CN"/>
-          </a:p>
-          <a:p>
-            <a:pPr marL="0" indent="457200">
-              <a:buNone/>
-            </a:pPr>
-            <a:r>
-              <a:rPr lang="en-US" altLang="zh-CN"/>
-              <a:t>+6	  Survey</a:t>
-            </a:r>
-            <a:endParaRPr lang="en-US" altLang="zh-CN"/>
-          </a:p>
-          <a:p>
-            <a:pPr marL="0" indent="457200">
-              <a:buNone/>
-            </a:pPr>
-            <a:r>
-              <a:rPr lang="en-US" altLang="zh-CN"/>
-              <a:t>=32 reference</a:t>
-            </a:r>
-            <a:endParaRPr lang="en-US" altLang="zh-CN"/>
-          </a:p>
-        </p:txBody>
-      </p:sp>
-    </p:spTree>
-  </p:cSld>
-  <p:clrMapOvr>
-    <a:masterClrMapping/>
-  </p:clrMapOvr>
-</p:sld>
-</file>
-
-<file path=ppt/slides/slide3.xml><?xml version="1.0" encoding="utf-8"?>
 <p:sld xmlns:a="http://schemas.openxmlformats.org/drawingml/2006/main" xmlns:r="http://schemas.openxmlformats.org/officeDocument/2006/relationships" xmlns:p="http://schemas.openxmlformats.org/presentationml/2006/main">
   <p:cSld>
     <p:spTree>
@@ -3756,6 +3732,27 @@
           </a:prstGeom>
         </p:spPr>
       </p:pic>
+      <p:sp>
+        <p:nvSpPr>
+          <p:cNvPr id="5" name="灯片编号占位符 4"/>
+          <p:cNvSpPr>
+            <a:spLocks noGrp="1"/>
+          </p:cNvSpPr>
+          <p:nvPr>
+            <p:ph type="sldNum" sz="quarter" idx="12"/>
+          </p:nvPr>
+        </p:nvSpPr>
+        <p:spPr/>
+        <p:txBody>
+          <a:bodyPr/>
+          <a:p>
+            <a:fld id="{565CE74E-AB26-4998-AD42-012C4C1AD076}" type="slidenum">
+              <a:rPr lang="zh-CN" altLang="en-US" smtClean="0"/>
+            </a:fld>
+            <a:endParaRPr lang="zh-CN" altLang="en-US"/>
+          </a:p>
+        </p:txBody>
+      </p:sp>
     </p:spTree>
   </p:cSld>
   <p:clrMapOvr>
@@ -3764,7 +3761,7 @@
 </p:sld>
 </file>
 
-<file path=ppt/slides/slide4.xml><?xml version="1.0" encoding="utf-8"?>
+<file path=ppt/slides/slide3.xml><?xml version="1.0" encoding="utf-8"?>
 <p:sld xmlns:a="http://schemas.openxmlformats.org/drawingml/2006/main" xmlns:r="http://schemas.openxmlformats.org/officeDocument/2006/relationships" xmlns:p="http://schemas.openxmlformats.org/presentationml/2006/main">
   <p:cSld>
     <p:spTree>
@@ -3845,6 +3842,155 @@
           </a:prstGeom>
         </p:spPr>
       </p:pic>
+      <p:sp>
+        <p:nvSpPr>
+          <p:cNvPr id="5" name="灯片编号占位符 4"/>
+          <p:cNvSpPr>
+            <a:spLocks noGrp="1"/>
+          </p:cNvSpPr>
+          <p:nvPr>
+            <p:ph type="sldNum" sz="quarter" idx="12"/>
+          </p:nvPr>
+        </p:nvSpPr>
+        <p:spPr/>
+        <p:txBody>
+          <a:bodyPr/>
+          <a:p>
+            <a:fld id="{565CE74E-AB26-4998-AD42-012C4C1AD076}" type="slidenum">
+              <a:rPr lang="zh-CN" altLang="en-US" smtClean="0"/>
+            </a:fld>
+            <a:endParaRPr lang="zh-CN" altLang="en-US"/>
+          </a:p>
+        </p:txBody>
+      </p:sp>
+    </p:spTree>
+  </p:cSld>
+  <p:clrMapOvr>
+    <a:masterClrMapping/>
+  </p:clrMapOvr>
+</p:sld>
+</file>
+
+<file path=ppt/slides/slide4.xml><?xml version="1.0" encoding="utf-8"?>
+<p:sld xmlns:a="http://schemas.openxmlformats.org/drawingml/2006/main" xmlns:r="http://schemas.openxmlformats.org/officeDocument/2006/relationships" xmlns:p="http://schemas.openxmlformats.org/presentationml/2006/main">
+  <p:cSld>
+    <p:spTree>
+      <p:nvGrpSpPr>
+        <p:cNvPr id="1" name=""/>
+        <p:cNvGrpSpPr/>
+        <p:nvPr/>
+      </p:nvGrpSpPr>
+      <p:grpSpPr/>
+      <p:sp>
+        <p:nvSpPr>
+          <p:cNvPr id="2" name="标题 1"/>
+          <p:cNvSpPr>
+            <a:spLocks noGrp="1"/>
+          </p:cNvSpPr>
+          <p:nvPr>
+            <p:ph type="title"/>
+          </p:nvPr>
+        </p:nvSpPr>
+        <p:spPr/>
+        <p:txBody>
+          <a:bodyPr/>
+          <a:p>
+            <a:r>
+              <a:rPr lang="en-US" altLang="zh-CN"/>
+              <a:t>catalog by research object</a:t>
+            </a:r>
+            <a:endParaRPr lang="en-US" altLang="zh-CN"/>
+          </a:p>
+        </p:txBody>
+      </p:sp>
+      <p:sp>
+        <p:nvSpPr>
+          <p:cNvPr id="3" name="内容占位符 2"/>
+          <p:cNvSpPr>
+            <a:spLocks noGrp="1"/>
+          </p:cNvSpPr>
+          <p:nvPr>
+            <p:ph idx="1"/>
+          </p:nvPr>
+        </p:nvSpPr>
+        <p:spPr/>
+        <p:txBody>
+          <a:bodyPr/>
+          <a:p>
+            <a:endParaRPr lang="zh-CN" altLang="en-US"/>
+          </a:p>
+        </p:txBody>
+      </p:sp>
+      <p:pic>
+        <p:nvPicPr>
+          <p:cNvPr id="5" name="图片 4" descr="007"/>
+          <p:cNvPicPr>
+            <a:picLocks noChangeAspect="1"/>
+          </p:cNvPicPr>
+          <p:nvPr/>
+        </p:nvPicPr>
+        <p:blipFill>
+          <a:blip r:embed="rId1"/>
+          <a:stretch>
+            <a:fillRect/>
+          </a:stretch>
+        </p:blipFill>
+        <p:spPr>
+          <a:xfrm>
+            <a:off x="1187450" y="2937510"/>
+            <a:ext cx="3343522" cy="3240000"/>
+          </a:xfrm>
+          <a:prstGeom prst="rect">
+            <a:avLst/>
+          </a:prstGeom>
+        </p:spPr>
+      </p:pic>
+      <p:sp>
+        <p:nvSpPr>
+          <p:cNvPr id="6" name="灯片编号占位符 5"/>
+          <p:cNvSpPr>
+            <a:spLocks noGrp="1"/>
+          </p:cNvSpPr>
+          <p:nvPr>
+            <p:ph type="sldNum" sz="quarter" idx="12"/>
+          </p:nvPr>
+        </p:nvSpPr>
+        <p:spPr/>
+        <p:txBody>
+          <a:bodyPr/>
+          <a:p>
+            <a:fld id="{565CE74E-AB26-4998-AD42-012C4C1AD076}" type="slidenum">
+              <a:rPr lang="zh-CN" altLang="en-US" smtClean="0"/>
+            </a:fld>
+            <a:endParaRPr lang="zh-CN" altLang="en-US"/>
+          </a:p>
+        </p:txBody>
+      </p:sp>
+      <p:pic>
+        <p:nvPicPr>
+          <p:cNvPr id="7" name="图片 6" descr="001"/>
+          <p:cNvPicPr>
+            <a:picLocks noChangeAspect="1"/>
+          </p:cNvPicPr>
+          <p:nvPr/>
+        </p:nvPicPr>
+        <p:blipFill>
+          <a:blip r:embed="rId2"/>
+          <a:srcRect l="3115" r="3115"/>
+          <a:stretch>
+            <a:fillRect/>
+          </a:stretch>
+        </p:blipFill>
+        <p:spPr>
+          <a:xfrm>
+            <a:off x="5952832" y="1321435"/>
+            <a:ext cx="5400000" cy="5400000"/>
+          </a:xfrm>
+          <a:prstGeom prst="rect">
+            <a:avLst/>
+          </a:prstGeom>
+        </p:spPr>
+      </p:pic>
     </p:spTree>
   </p:cSld>
   <p:clrMapOvr>
@@ -3863,106 +4009,244 @@
         <p:nvPr/>
       </p:nvGrpSpPr>
       <p:grpSpPr/>
-      <p:sp>
-        <p:nvSpPr>
-          <p:cNvPr id="2" name="标题 1"/>
-          <p:cNvSpPr>
-            <a:spLocks noGrp="1"/>
-          </p:cNvSpPr>
-          <p:nvPr>
-            <p:ph type="title"/>
-          </p:nvPr>
-        </p:nvSpPr>
-        <p:spPr/>
-        <p:txBody>
-          <a:bodyPr/>
-          <a:p>
-            <a:r>
-              <a:rPr lang="en-US" altLang="zh-CN"/>
-              <a:t>catalog by keywords</a:t>
-            </a:r>
-            <a:endParaRPr lang="en-US" altLang="zh-CN"/>
-          </a:p>
-        </p:txBody>
-      </p:sp>
-      <p:sp>
-        <p:nvSpPr>
-          <p:cNvPr id="3" name="内容占位符 2"/>
-          <p:cNvSpPr>
-            <a:spLocks noGrp="1"/>
-          </p:cNvSpPr>
-          <p:nvPr>
-            <p:ph idx="1"/>
-          </p:nvPr>
-        </p:nvSpPr>
-        <p:spPr>
-          <a:xfrm>
-            <a:off x="838200" y="1825625"/>
-            <a:ext cx="5121910" cy="4351655"/>
-          </a:xfrm>
-        </p:spPr>
-        <p:txBody>
-          <a:bodyPr/>
-          <a:p>
-            <a:pPr marL="0" indent="0">
-              <a:buNone/>
-            </a:pPr>
-            <a:r>
-              <a:rPr lang="zh-CN" altLang="en-US"/>
-              <a:t>criteria：</a:t>
-            </a:r>
-            <a:endParaRPr lang="zh-CN" altLang="en-US"/>
-          </a:p>
-          <a:p>
-            <a:r>
-              <a:rPr lang="en-US" altLang="zh-CN"/>
-              <a:t>keyword</a:t>
-            </a:r>
-            <a:endParaRPr lang="en-US" altLang="zh-CN"/>
-          </a:p>
-          <a:p>
-            <a:r>
-              <a:rPr lang="en-US" altLang="zh-CN"/>
-              <a:t>abstract &amp; introduction</a:t>
-            </a:r>
-            <a:endParaRPr lang="en-US" altLang="zh-CN"/>
-          </a:p>
-          <a:p>
-            <a:r>
-              <a:rPr lang="en-US" altLang="zh-CN"/>
-              <a:t>compared to others</a:t>
-            </a:r>
-            <a:endParaRPr lang="en-US" altLang="zh-CN"/>
-          </a:p>
-          <a:p>
-            <a:pPr marL="0" indent="0">
-              <a:buNone/>
-            </a:pPr>
-            <a:r>
-              <a:rPr lang="en-US" altLang="zh-CN" sz="2000"/>
-              <a:t>*Not classified to the category when it is not mentioned the concept.</a:t>
-            </a:r>
-            <a:endParaRPr lang="en-US" altLang="zh-CN" sz="2000"/>
-          </a:p>
-        </p:txBody>
-      </p:sp>
       <p:pic>
         <p:nvPicPr>
-          <p:cNvPr id="4" name="图片 3" descr="004"/>
+          <p:cNvPr id="6" name="图片 5" descr="005"/>
           <p:cNvPicPr>
             <a:picLocks noChangeAspect="1"/>
           </p:cNvPicPr>
-          <p:nvPr/>
+          <p:nvPr>
+            <p:custDataLst>
+              <p:tags r:id="rId1"/>
+            </p:custDataLst>
+          </p:nvPr>
         </p:nvPicPr>
         <p:blipFill>
-          <a:blip r:embed="rId1"/>
+          <a:blip r:embed="rId2"/>
           <a:stretch>
             <a:fillRect/>
           </a:stretch>
         </p:blipFill>
         <p:spPr>
           <a:xfrm>
-            <a:off x="7418070" y="1528445"/>
+            <a:off x="4140200" y="528955"/>
+            <a:ext cx="7537450" cy="5800090"/>
+          </a:xfrm>
+          <a:prstGeom prst="rect">
+            <a:avLst/>
+          </a:prstGeom>
+        </p:spPr>
+      </p:pic>
+      <p:sp>
+        <p:nvSpPr>
+          <p:cNvPr id="2" name="标题 1"/>
+          <p:cNvSpPr>
+            <a:spLocks noGrp="1"/>
+          </p:cNvSpPr>
+          <p:nvPr>
+            <p:ph type="title"/>
+          </p:nvPr>
+        </p:nvSpPr>
+        <p:spPr/>
+        <p:txBody>
+          <a:bodyPr/>
+          <a:p>
+            <a:r>
+              <a:rPr lang="en-US" altLang="zh-CN"/>
+              <a:t>catalog by keywords</a:t>
+            </a:r>
+            <a:endParaRPr lang="en-US" altLang="zh-CN"/>
+          </a:p>
+        </p:txBody>
+      </p:sp>
+      <p:sp>
+        <p:nvSpPr>
+          <p:cNvPr id="3" name="内容占位符 2"/>
+          <p:cNvSpPr>
+            <a:spLocks noGrp="1"/>
+          </p:cNvSpPr>
+          <p:nvPr>
+            <p:ph idx="1"/>
+          </p:nvPr>
+        </p:nvSpPr>
+        <p:spPr>
+          <a:xfrm>
+            <a:off x="838200" y="1825625"/>
+            <a:ext cx="3483610" cy="4351655"/>
+          </a:xfrm>
+        </p:spPr>
+        <p:txBody>
+          <a:bodyPr/>
+          <a:p>
+            <a:pPr marL="0" indent="0">
+              <a:buNone/>
+            </a:pPr>
+            <a:r>
+              <a:rPr lang="zh-CN" altLang="en-US" sz="2000"/>
+              <a:t>criteria：</a:t>
+            </a:r>
+            <a:endParaRPr lang="zh-CN" altLang="en-US" sz="2000"/>
+          </a:p>
+          <a:p>
+            <a:r>
+              <a:rPr lang="en-US" altLang="zh-CN" sz="2000"/>
+              <a:t>keyword</a:t>
+            </a:r>
+            <a:endParaRPr lang="en-US" altLang="zh-CN" sz="2000"/>
+          </a:p>
+          <a:p>
+            <a:r>
+              <a:rPr lang="en-US" altLang="zh-CN" sz="2000"/>
+              <a:t>abstract &amp; introduction</a:t>
+            </a:r>
+            <a:endParaRPr lang="en-US" altLang="zh-CN" sz="2000"/>
+          </a:p>
+          <a:p>
+            <a:r>
+              <a:rPr lang="en-US" altLang="zh-CN" sz="2000"/>
+              <a:t>compared to others</a:t>
+            </a:r>
+            <a:endParaRPr lang="en-US" altLang="zh-CN" sz="2000"/>
+          </a:p>
+          <a:p>
+            <a:pPr marL="0" indent="0">
+              <a:buNone/>
+            </a:pPr>
+            <a:r>
+              <a:rPr lang="en-US" altLang="zh-CN" sz="1600"/>
+              <a:t>*Not classified to the category when it is not mentioned the concept.</a:t>
+            </a:r>
+            <a:endParaRPr lang="en-US" altLang="zh-CN" sz="1600"/>
+          </a:p>
+        </p:txBody>
+      </p:sp>
+      <p:sp>
+        <p:nvSpPr>
+          <p:cNvPr id="5" name="灯片编号占位符 4"/>
+          <p:cNvSpPr>
+            <a:spLocks noGrp="1"/>
+          </p:cNvSpPr>
+          <p:nvPr>
+            <p:ph type="sldNum" sz="quarter" idx="12"/>
+          </p:nvPr>
+        </p:nvSpPr>
+        <p:spPr/>
+        <p:txBody>
+          <a:bodyPr/>
+          <a:p>
+            <a:fld id="{565CE74E-AB26-4998-AD42-012C4C1AD076}" type="slidenum">
+              <a:rPr lang="zh-CN" altLang="en-US" smtClean="0"/>
+            </a:fld>
+            <a:endParaRPr lang="zh-CN" altLang="en-US"/>
+          </a:p>
+        </p:txBody>
+      </p:sp>
+    </p:spTree>
+  </p:cSld>
+  <p:clrMapOvr>
+    <a:masterClrMapping/>
+  </p:clrMapOvr>
+  <p:transition/>
+</p:sld>
+</file>
+
+<file path=ppt/slides/slide6.xml><?xml version="1.0" encoding="utf-8"?>
+<p:sld xmlns:a="http://schemas.openxmlformats.org/drawingml/2006/main" xmlns:r="http://schemas.openxmlformats.org/officeDocument/2006/relationships" xmlns:p="http://schemas.openxmlformats.org/presentationml/2006/main" show="0">
+  <p:cSld>
+    <p:spTree>
+      <p:nvGrpSpPr>
+        <p:cNvPr id="1" name=""/>
+        <p:cNvGrpSpPr/>
+        <p:nvPr/>
+      </p:nvGrpSpPr>
+      <p:grpSpPr/>
+      <p:sp>
+        <p:nvSpPr>
+          <p:cNvPr id="2" name="标题 1"/>
+          <p:cNvSpPr>
+            <a:spLocks noGrp="1"/>
+          </p:cNvSpPr>
+          <p:nvPr>
+            <p:ph type="title"/>
+          </p:nvPr>
+        </p:nvSpPr>
+        <p:spPr>
+          <a:xfrm>
+            <a:off x="838200" y="0"/>
+            <a:ext cx="10515600" cy="1325563"/>
+          </a:xfrm>
+        </p:spPr>
+        <p:txBody>
+          <a:bodyPr/>
+          <a:p>
+            <a:r>
+              <a:rPr lang="zh-CN" altLang="en-US"/>
+              <a:t>Redeployment</a:t>
+            </a:r>
+            <a:endParaRPr lang="zh-CN" altLang="en-US"/>
+          </a:p>
+        </p:txBody>
+      </p:sp>
+      <p:sp>
+        <p:nvSpPr>
+          <p:cNvPr id="3" name="内容占位符 2"/>
+          <p:cNvSpPr>
+            <a:spLocks noGrp="1"/>
+          </p:cNvSpPr>
+          <p:nvPr>
+            <p:ph idx="1"/>
+          </p:nvPr>
+        </p:nvSpPr>
+        <p:spPr/>
+        <p:txBody>
+          <a:bodyPr/>
+          <a:p>
+            <a:endParaRPr lang="zh-CN" altLang="en-US"/>
+          </a:p>
+        </p:txBody>
+      </p:sp>
+      <p:sp>
+        <p:nvSpPr>
+          <p:cNvPr id="5" name="灯片编号占位符 4"/>
+          <p:cNvSpPr>
+            <a:spLocks noGrp="1"/>
+          </p:cNvSpPr>
+          <p:nvPr>
+            <p:ph type="sldNum" sz="quarter" idx="12"/>
+          </p:nvPr>
+        </p:nvSpPr>
+        <p:spPr/>
+        <p:txBody>
+          <a:bodyPr/>
+          <a:p>
+            <a:fld id="{565CE74E-AB26-4998-AD42-012C4C1AD076}" type="slidenum">
+              <a:rPr lang="zh-CN" altLang="en-US" smtClean="0"/>
+            </a:fld>
+            <a:endParaRPr lang="zh-CN" altLang="en-US"/>
+          </a:p>
+        </p:txBody>
+      </p:sp>
+      <p:pic>
+        <p:nvPicPr>
+          <p:cNvPr id="6" name="图片 5" descr="004"/>
+          <p:cNvPicPr>
+            <a:picLocks noChangeAspect="1"/>
+          </p:cNvPicPr>
+          <p:nvPr>
+            <p:custDataLst>
+              <p:tags r:id="rId1"/>
+            </p:custDataLst>
+          </p:nvPr>
+        </p:nvPicPr>
+        <p:blipFill>
+          <a:blip r:embed="rId2"/>
+          <a:stretch>
+            <a:fillRect/>
+          </a:stretch>
+        </p:blipFill>
+        <p:spPr>
+          <a:xfrm>
+            <a:off x="4128135" y="1104900"/>
             <a:ext cx="3935730" cy="4648835"/>
           </a:xfrm>
           <a:prstGeom prst="rect">
@@ -3975,204 +4259,12 @@
   <p:clrMapOvr>
     <a:masterClrMapping/>
   </p:clrMapOvr>
-</p:sld>
-</file>
-
-<file path=ppt/slides/slide6.xml><?xml version="1.0" encoding="utf-8"?>
-<p:sld xmlns:a="http://schemas.openxmlformats.org/drawingml/2006/main" xmlns:r="http://schemas.openxmlformats.org/officeDocument/2006/relationships" xmlns:p="http://schemas.openxmlformats.org/presentationml/2006/main">
-  <p:cSld>
-    <p:spTree>
-      <p:nvGrpSpPr>
-        <p:cNvPr id="1" name=""/>
-        <p:cNvGrpSpPr/>
-        <p:nvPr/>
-      </p:nvGrpSpPr>
-      <p:grpSpPr/>
-      <p:pic>
-        <p:nvPicPr>
-          <p:cNvPr id="4" name="图片 3" descr="005"/>
-          <p:cNvPicPr>
-            <a:picLocks noChangeAspect="1"/>
-          </p:cNvPicPr>
-          <p:nvPr/>
-        </p:nvPicPr>
-        <p:blipFill>
-          <a:blip r:embed="rId1"/>
-          <a:stretch>
-            <a:fillRect/>
-          </a:stretch>
-        </p:blipFill>
-        <p:spPr>
-          <a:xfrm>
-            <a:off x="2643505" y="772160"/>
-            <a:ext cx="6904990" cy="5313680"/>
-          </a:xfrm>
-          <a:prstGeom prst="rect">
-            <a:avLst/>
-          </a:prstGeom>
-        </p:spPr>
-      </p:pic>
-      <p:sp>
-        <p:nvSpPr>
-          <p:cNvPr id="2" name="标题 1"/>
-          <p:cNvSpPr>
-            <a:spLocks noGrp="1"/>
-          </p:cNvSpPr>
-          <p:nvPr>
-            <p:ph type="title"/>
-          </p:nvPr>
-        </p:nvSpPr>
-        <p:spPr>
-          <a:xfrm>
-            <a:off x="838200" y="0"/>
-            <a:ext cx="10515600" cy="1325563"/>
-          </a:xfrm>
-        </p:spPr>
-        <p:txBody>
-          <a:bodyPr/>
-          <a:p>
-            <a:r>
-              <a:rPr lang="zh-CN" altLang="en-US"/>
-              <a:t>Redeployment</a:t>
-            </a:r>
-            <a:endParaRPr lang="zh-CN" altLang="en-US"/>
-          </a:p>
-        </p:txBody>
-      </p:sp>
-      <p:sp>
-        <p:nvSpPr>
-          <p:cNvPr id="3" name="内容占位符 2"/>
-          <p:cNvSpPr>
-            <a:spLocks noGrp="1"/>
-          </p:cNvSpPr>
-          <p:nvPr>
-            <p:ph idx="1"/>
-          </p:nvPr>
-        </p:nvSpPr>
-        <p:spPr/>
-        <p:txBody>
-          <a:bodyPr/>
-          <a:p>
-            <a:endParaRPr lang="zh-CN" altLang="en-US"/>
-          </a:p>
-        </p:txBody>
-      </p:sp>
-    </p:spTree>
-  </p:cSld>
-  <p:clrMapOvr>
-    <a:masterClrMapping/>
-  </p:clrMapOvr>
+  <p:transition/>
 </p:sld>
 </file>
 
 <file path=ppt/slides/slide7.xml><?xml version="1.0" encoding="utf-8"?>
-<p:sld xmlns:a="http://schemas.openxmlformats.org/drawingml/2006/main" xmlns:r="http://schemas.openxmlformats.org/officeDocument/2006/relationships" xmlns:p="http://schemas.openxmlformats.org/presentationml/2006/main">
-  <p:cSld>
-    <p:spTree>
-      <p:nvGrpSpPr>
-        <p:cNvPr id="1" name=""/>
-        <p:cNvGrpSpPr/>
-        <p:nvPr/>
-      </p:nvGrpSpPr>
-      <p:grpSpPr/>
-      <p:sp>
-        <p:nvSpPr>
-          <p:cNvPr id="2" name="标题 1"/>
-          <p:cNvSpPr>
-            <a:spLocks noGrp="1"/>
-          </p:cNvSpPr>
-          <p:nvPr>
-            <p:ph type="title"/>
-          </p:nvPr>
-        </p:nvSpPr>
-        <p:spPr/>
-        <p:txBody>
-          <a:bodyPr/>
-          <a:p>
-            <a:r>
-              <a:rPr lang="en-US" altLang="zh-CN"/>
-              <a:t>catalog by research object</a:t>
-            </a:r>
-            <a:endParaRPr lang="en-US" altLang="zh-CN"/>
-          </a:p>
-        </p:txBody>
-      </p:sp>
-      <p:sp>
-        <p:nvSpPr>
-          <p:cNvPr id="3" name="内容占位符 2"/>
-          <p:cNvSpPr>
-            <a:spLocks noGrp="1"/>
-          </p:cNvSpPr>
-          <p:nvPr>
-            <p:ph idx="1"/>
-          </p:nvPr>
-        </p:nvSpPr>
-        <p:spPr/>
-        <p:txBody>
-          <a:bodyPr/>
-          <a:p>
-            <a:endParaRPr lang="zh-CN" altLang="en-US"/>
-          </a:p>
-        </p:txBody>
-      </p:sp>
-      <p:pic>
-        <p:nvPicPr>
-          <p:cNvPr id="4" name="图片 3" descr="006"/>
-          <p:cNvPicPr>
-            <a:picLocks noChangeAspect="1"/>
-          </p:cNvPicPr>
-          <p:nvPr/>
-        </p:nvPicPr>
-        <p:blipFill>
-          <a:blip r:embed="rId1"/>
-          <a:stretch>
-            <a:fillRect/>
-          </a:stretch>
-        </p:blipFill>
-        <p:spPr>
-          <a:xfrm>
-            <a:off x="6000750" y="1457960"/>
-            <a:ext cx="5827942" cy="5400000"/>
-          </a:xfrm>
-          <a:prstGeom prst="rect">
-            <a:avLst/>
-          </a:prstGeom>
-        </p:spPr>
-      </p:pic>
-      <p:pic>
-        <p:nvPicPr>
-          <p:cNvPr id="5" name="图片 4" descr="007"/>
-          <p:cNvPicPr>
-            <a:picLocks noChangeAspect="1"/>
-          </p:cNvPicPr>
-          <p:nvPr/>
-        </p:nvPicPr>
-        <p:blipFill>
-          <a:blip r:embed="rId2"/>
-          <a:stretch>
-            <a:fillRect/>
-          </a:stretch>
-        </p:blipFill>
-        <p:spPr>
-          <a:xfrm>
-            <a:off x="1187450" y="2937510"/>
-            <a:ext cx="3343522" cy="3240000"/>
-          </a:xfrm>
-          <a:prstGeom prst="rect">
-            <a:avLst/>
-          </a:prstGeom>
-        </p:spPr>
-      </p:pic>
-    </p:spTree>
-  </p:cSld>
-  <p:clrMapOvr>
-    <a:masterClrMapping/>
-  </p:clrMapOvr>
-</p:sld>
-</file>
-
-<file path=ppt/slides/slide8.xml><?xml version="1.0" encoding="utf-8"?>
-<p:sld xmlns:a="http://schemas.openxmlformats.org/drawingml/2006/main" xmlns:r="http://schemas.openxmlformats.org/officeDocument/2006/relationships" xmlns:p="http://schemas.openxmlformats.org/presentationml/2006/main">
+<p:sld xmlns:a="http://schemas.openxmlformats.org/drawingml/2006/main" xmlns:r="http://schemas.openxmlformats.org/officeDocument/2006/relationships" xmlns:p="http://schemas.openxmlformats.org/presentationml/2006/main" show="0">
   <p:cSld>
     <p:spTree>
       <p:nvGrpSpPr>
@@ -4271,6 +4363,163 @@
           </a:prstGeom>
         </p:spPr>
       </p:pic>
+      <p:sp>
+        <p:nvSpPr>
+          <p:cNvPr id="6" name="灯片编号占位符 5"/>
+          <p:cNvSpPr>
+            <a:spLocks noGrp="1"/>
+          </p:cNvSpPr>
+          <p:nvPr>
+            <p:ph type="sldNum" sz="quarter" idx="12"/>
+          </p:nvPr>
+        </p:nvSpPr>
+        <p:spPr/>
+        <p:txBody>
+          <a:bodyPr/>
+          <a:p>
+            <a:fld id="{565CE74E-AB26-4998-AD42-012C4C1AD076}" type="slidenum">
+              <a:rPr lang="zh-CN" altLang="en-US" smtClean="0"/>
+            </a:fld>
+            <a:endParaRPr lang="zh-CN" altLang="en-US"/>
+          </a:p>
+        </p:txBody>
+      </p:sp>
+    </p:spTree>
+  </p:cSld>
+  <p:clrMapOvr>
+    <a:masterClrMapping/>
+  </p:clrMapOvr>
+  <p:transition/>
+</p:sld>
+</file>
+
+<file path=ppt/slides/slide8.xml><?xml version="1.0" encoding="utf-8"?>
+<p:sld xmlns:a="http://schemas.openxmlformats.org/drawingml/2006/main" xmlns:r="http://schemas.openxmlformats.org/officeDocument/2006/relationships" xmlns:p="http://schemas.openxmlformats.org/presentationml/2006/main">
+  <p:cSld>
+    <p:spTree>
+      <p:nvGrpSpPr>
+        <p:cNvPr id="1" name=""/>
+        <p:cNvGrpSpPr/>
+        <p:nvPr/>
+      </p:nvGrpSpPr>
+      <p:grpSpPr/>
+      <p:sp>
+        <p:nvSpPr>
+          <p:cNvPr id="2" name="标题 1"/>
+          <p:cNvSpPr>
+            <a:spLocks noGrp="1"/>
+          </p:cNvSpPr>
+          <p:nvPr>
+            <p:ph type="ctrTitle"/>
+          </p:nvPr>
+        </p:nvSpPr>
+        <p:spPr/>
+        <p:txBody>
+          <a:bodyPr>
+            <a:normAutofit/>
+          </a:bodyPr>
+          <a:p>
+            <a:r>
+              <a:rPr lang="zh-CN" altLang="en-US"/>
+              <a:t>A</a:t>
+            </a:r>
+            <a:r>
+              <a:rPr lang="en-US" altLang="zh-CN"/>
+              <a:t> continuous</a:t>
+            </a:r>
+            <a:r>
+              <a:rPr lang="zh-CN" altLang="en-US"/>
+              <a:t> </a:t>
+            </a:r>
+            <a:r>
+              <a:rPr lang="en-US" altLang="zh-CN"/>
+              <a:t>motion feedback </a:t>
+            </a:r>
+            <a:r>
+              <a:rPr lang="zh-CN" altLang="en-US"/>
+              <a:t>controller</a:t>
+            </a:r>
+            <a:endParaRPr lang="zh-CN" altLang="en-US"/>
+          </a:p>
+        </p:txBody>
+      </p:sp>
+      <p:sp>
+        <p:nvSpPr>
+          <p:cNvPr id="3" name="副标题 2"/>
+          <p:cNvSpPr>
+            <a:spLocks noGrp="1"/>
+          </p:cNvSpPr>
+          <p:nvPr>
+            <p:ph type="subTitle" idx="1"/>
+          </p:nvPr>
+        </p:nvSpPr>
+        <p:spPr/>
+        <p:txBody>
+          <a:bodyPr/>
+          <a:p>
+            <a:r>
+              <a:rPr lang="zh-CN" altLang="en-US">
+                <a:sym typeface="+mn-ea"/>
+              </a:rPr>
+              <a:t>A</a:t>
+            </a:r>
+            <a:r>
+              <a:rPr lang="en-US" altLang="zh-CN">
+                <a:sym typeface="+mn-ea"/>
+              </a:rPr>
+              <a:t> </a:t>
+            </a:r>
+            <a:r>
+              <a:rPr lang="zh-CN" altLang="en-US">
+                <a:sym typeface="+mn-ea"/>
+              </a:rPr>
+              <a:t>controller that can </a:t>
+            </a:r>
+            <a:r>
+              <a:rPr lang="en-US" altLang="zh-CN">
+                <a:sym typeface="+mn-ea"/>
+              </a:rPr>
+              <a:t>continuously </a:t>
+            </a:r>
+            <a:r>
+              <a:rPr lang="zh-CN" altLang="en-US">
+                <a:sym typeface="+mn-ea"/>
+              </a:rPr>
+              <a:t>feedback the motion state of dynamic objects</a:t>
+            </a:r>
+            <a:r>
+              <a:rPr lang="en-US" altLang="zh-CN">
+                <a:sym typeface="+mn-ea"/>
+              </a:rPr>
+              <a:t> under VR environment</a:t>
+            </a:r>
+            <a:endParaRPr lang="en-US" altLang="zh-CN">
+              <a:sym typeface="+mn-ea"/>
+            </a:endParaRPr>
+          </a:p>
+        </p:txBody>
+      </p:sp>
+      <p:sp>
+        <p:nvSpPr>
+          <p:cNvPr id="4" name="灯片编号占位符 3"/>
+          <p:cNvSpPr>
+            <a:spLocks noGrp="1"/>
+          </p:cNvSpPr>
+          <p:nvPr>
+            <p:ph type="sldNum" sz="quarter" idx="12"/>
+          </p:nvPr>
+        </p:nvSpPr>
+        <p:spPr/>
+        <p:txBody>
+          <a:bodyPr/>
+          <a:p>
+            <a:fld id="{565CE74E-AB26-4998-AD42-012C4C1AD076}" type="slidenum">
+              <a:rPr lang="zh-CN" altLang="en-US" smtClean="0"/>
+            </a:fld>
+            <a:endParaRPr lang="zh-CN" altLang="en-US"/>
+          </a:p>
+        </p:txBody>
+      </p:sp>
     </p:spTree>
   </p:cSld>
   <p:clrMapOvr>
@@ -4296,92 +4545,78 @@
             <a:spLocks noGrp="1"/>
           </p:cNvSpPr>
           <p:nvPr>
-            <p:ph type="ctrTitle"/>
-          </p:nvPr>
-        </p:nvSpPr>
-        <p:spPr/>
-        <p:txBody>
-          <a:bodyPr>
-            <a:normAutofit/>
-          </a:bodyPr>
-          <a:p>
+            <p:ph type="title"/>
+          </p:nvPr>
+        </p:nvSpPr>
+        <p:spPr/>
+        <p:txBody>
+          <a:bodyPr/>
+          <a:p>
+            <a:endParaRPr lang="zh-CN" altLang="en-US"/>
+          </a:p>
+        </p:txBody>
+      </p:sp>
+      <p:sp>
+        <p:nvSpPr>
+          <p:cNvPr id="3" name="内容占位符 2"/>
+          <p:cNvSpPr>
+            <a:spLocks noGrp="1"/>
+          </p:cNvSpPr>
+          <p:nvPr>
+            <p:ph idx="1"/>
+          </p:nvPr>
+        </p:nvSpPr>
+        <p:spPr/>
+        <p:txBody>
+          <a:bodyPr/>
+          <a:p>
+            <a:pPr marL="0" indent="0">
+              <a:buNone/>
+            </a:pPr>
+            <a:r>
+              <a:rPr lang="en-US" altLang="en-US"/>
+              <a:t>&gt; </a:t>
+            </a:r>
             <a:r>
               <a:rPr lang="zh-CN" altLang="en-US"/>
-              <a:t>A</a:t>
-            </a:r>
+              <a:t>A Survey on Simulation for Weight Perception in Virtual Reality</a:t>
+            </a:r>
+            <a:endParaRPr lang="zh-CN" altLang="en-US"/>
+          </a:p>
+          <a:p>
+            <a:endParaRPr lang="zh-CN" altLang="en-US"/>
+          </a:p>
+          <a:p>
             <a:r>
               <a:rPr lang="en-US" altLang="zh-CN"/>
-              <a:t> continuous</a:t>
+              <a:t>I</a:t>
             </a:r>
             <a:r>
               <a:rPr lang="zh-CN" altLang="en-US"/>
-              <a:t> </a:t>
-            </a:r>
-            <a:r>
-              <a:rPr lang="en-US" altLang="zh-CN"/>
-              <a:t>motion feedback </a:t>
-            </a:r>
-            <a:r>
-              <a:rPr lang="zh-CN" altLang="en-US"/>
-              <a:t>controller</a:t>
-            </a:r>
-            <a:endParaRPr lang="zh-CN" altLang="en-US"/>
-          </a:p>
-        </p:txBody>
-      </p:sp>
-      <p:sp>
-        <p:nvSpPr>
-          <p:cNvPr id="3" name="副标题 2"/>
-          <p:cNvSpPr>
-            <a:spLocks noGrp="1"/>
-          </p:cNvSpPr>
-          <p:nvPr>
-            <p:ph type="subTitle" idx="1"/>
-          </p:nvPr>
-        </p:nvSpPr>
-        <p:spPr/>
-        <p:txBody>
-          <a:bodyPr/>
-          <a:p>
-            <a:r>
-              <a:rPr lang="zh-CN" altLang="en-US">
-                <a:sym typeface="+mn-ea"/>
-              </a:rPr>
-              <a:t>A</a:t>
-            </a:r>
-            <a:r>
-              <a:rPr lang="en-US" altLang="zh-CN">
-                <a:sym typeface="+mn-ea"/>
-              </a:rPr>
-              <a:t> </a:t>
-            </a:r>
-            <a:r>
-              <a:rPr lang="zh-CN" altLang="en-US">
-                <a:sym typeface="+mn-ea"/>
-              </a:rPr>
-              <a:t>controller that can </a:t>
-            </a:r>
-            <a:r>
-              <a:rPr lang="en-US" altLang="zh-CN">
-                <a:sym typeface="+mn-ea"/>
-              </a:rPr>
-              <a:t>continuously </a:t>
-            </a:r>
-            <a:r>
-              <a:rPr lang="zh-CN" altLang="en-US">
-                <a:sym typeface="+mn-ea"/>
-              </a:rPr>
-              <a:t>feedback the motion state of dynamic objects</a:t>
-            </a:r>
-            <a:r>
-              <a:rPr lang="en-US" altLang="zh-CN">
-                <a:sym typeface="+mn-ea"/>
-              </a:rPr>
-              <a:t> under VR environment</a:t>
-            </a:r>
-            <a:endParaRPr lang="en-US" altLang="zh-CN">
-              <a:sym typeface="+mn-ea"/>
-            </a:endParaRPr>
+              <a:t>nconsistency of vistual feedback and real hand motion</a:t>
+            </a:r>
+            <a:endParaRPr lang="zh-CN" altLang="en-US"/>
+          </a:p>
+        </p:txBody>
+      </p:sp>
+      <p:sp>
+        <p:nvSpPr>
+          <p:cNvPr id="4" name="灯片编号占位符 3"/>
+          <p:cNvSpPr>
+            <a:spLocks noGrp="1"/>
+          </p:cNvSpPr>
+          <p:nvPr>
+            <p:ph type="sldNum" sz="quarter" idx="12"/>
+          </p:nvPr>
+        </p:nvSpPr>
+        <p:spPr/>
+        <p:txBody>
+          <a:bodyPr/>
+          <a:p>
+            <a:fld id="{565CE74E-AB26-4998-AD42-012C4C1AD076}" type="slidenum">
+              <a:rPr lang="zh-CN" altLang="en-US" smtClean="0"/>
+            </a:fld>
+            <a:endParaRPr lang="zh-CN" altLang="en-US"/>
           </a:p>
         </p:txBody>
       </p:sp>
@@ -4394,6 +4629,20 @@
 </file>
 
 <file path=ppt/tags/tag1.xml><?xml version="1.0" encoding="utf-8"?>
+<p:tagLst xmlns:p="http://schemas.openxmlformats.org/presentationml/2006/main">
+  <p:tag name="KSO_WM_BEAUTIFY_FLAG" val=""/>
+  <p:tag name="KSO_WM_UNIT_PLACING_PICTURE_USER_VIEWPORT" val="{&quot;height&quot;:8368,&quot;width&quot;:10874}"/>
+</p:tagLst>
+</file>
+
+<file path=ppt/tags/tag2.xml><?xml version="1.0" encoding="utf-8"?>
+<p:tagLst xmlns:p="http://schemas.openxmlformats.org/presentationml/2006/main">
+  <p:tag name="KSO_WM_UNIT_PLACING_PICTURE_USER_VIEWPORT" val="{&quot;height&quot;:7321,&quot;width&quot;:6198}"/>
+  <p:tag name="KSO_WM_BEAUTIFY_FLAG" val=""/>
+</p:tagLst>
+</file>
+
+<file path=ppt/tags/tag3.xml><?xml version="1.0" encoding="utf-8"?>
 <p:tagLst xmlns:p="http://schemas.openxmlformats.org/presentationml/2006/main">
   <p:tag name="COMMONDATA" val="eyJoZGlkIjoiMDUxNmI3MmNlMTUzZmFlYWRkMzZiODllNGFkN2EyMDUifQ=="/>
   <p:tag name="KSO_WPP_MARK_KEY" val="98a04dc9-d6d1-41ce-8942-cdc60db07fb2"/>

--- a/PPT/reference.pptx
+++ b/PPT/reference.pptx
@@ -11,18 +11,20 @@
     <p:sldId id="256" r:id="rId3"/>
     <p:sldId id="258" r:id="rId4"/>
     <p:sldId id="259" r:id="rId5"/>
-    <p:sldId id="262" r:id="rId6"/>
-    <p:sldId id="260" r:id="rId7"/>
+    <p:sldId id="260" r:id="rId6"/>
+    <p:sldId id="262" r:id="rId7"/>
     <p:sldId id="261" r:id="rId8"/>
     <p:sldId id="263" r:id="rId10"/>
     <p:sldId id="265" r:id="rId11"/>
     <p:sldId id="264" r:id="rId12"/>
-    <p:sldId id="257" r:id="rId13"/>
+    <p:sldId id="269" r:id="rId13"/>
+    <p:sldId id="270" r:id="rId14"/>
+    <p:sldId id="257" r:id="rId15"/>
   </p:sldIdLst>
   <p:sldSz cx="12192000" cy="6858000"/>
   <p:notesSz cx="6858000" cy="9144000"/>
   <p:custDataLst>
-    <p:tags r:id="rId17"/>
+    <p:tags r:id="rId19"/>
   </p:custDataLst>
   <p:defaultTextStyle>
     <a:defPPr>
@@ -549,6 +551,58 @@
 </file>
 
 <file path=ppt/notesSlides/notesSlide2.xml><?xml version="1.0" encoding="utf-8"?>
+<p:notes xmlns:a="http://schemas.openxmlformats.org/drawingml/2006/main" xmlns:r="http://schemas.openxmlformats.org/officeDocument/2006/relationships" xmlns:p="http://schemas.openxmlformats.org/presentationml/2006/main">
+  <p:cSld>
+    <p:spTree>
+      <p:nvGrpSpPr>
+        <p:cNvPr id="1" name=""/>
+        <p:cNvGrpSpPr/>
+        <p:nvPr/>
+      </p:nvGrpSpPr>
+      <p:grpSpPr/>
+      <p:sp>
+        <p:nvSpPr>
+          <p:cNvPr id="2" name="幻灯片图像占位符 1"/>
+          <p:cNvSpPr/>
+          <p:nvPr>
+            <p:ph type="sldImg" idx="2"/>
+          </p:nvPr>
+        </p:nvSpPr>
+        <p:spPr/>
+      </p:sp>
+      <p:sp>
+        <p:nvSpPr>
+          <p:cNvPr id="3" name="文本占位符 2"/>
+          <p:cNvSpPr/>
+          <p:nvPr>
+            <p:ph type="body" idx="3"/>
+          </p:nvPr>
+        </p:nvSpPr>
+        <p:spPr/>
+        <p:txBody>
+          <a:bodyPr/>
+          <a:p>
+            <a:r>
+              <a:rPr lang="zh-CN" altLang="en-US"/>
+              <a:t>一个可以</a:t>
+            </a:r>
+            <a:r>
+              <a:rPr lang="zh-CN" altLang="en-US"/>
+              <a:t>持续反馈vr动态物体运动状态的控制器</a:t>
+            </a:r>
+            <a:endParaRPr lang="zh-CN" altLang="en-US"/>
+          </a:p>
+        </p:txBody>
+      </p:sp>
+    </p:spTree>
+  </p:cSld>
+  <p:clrMapOvr>
+    <a:masterClrMapping/>
+  </p:clrMapOvr>
+</p:notes>
+</file>
+
+<file path=ppt/notesSlides/notesSlide3.xml><?xml version="1.0" encoding="utf-8"?>
 <p:notes xmlns:a="http://schemas.openxmlformats.org/drawingml/2006/main" xmlns:r="http://schemas.openxmlformats.org/officeDocument/2006/relationships" xmlns:p="http://schemas.openxmlformats.org/presentationml/2006/main">
   <p:cSld>
     <p:spTree>
@@ -3493,6 +3547,241 @@
 </file>
 
 <file path=ppt/slides/slide10.xml><?xml version="1.0" encoding="utf-8"?>
+<p:sld xmlns:a="http://schemas.openxmlformats.org/drawingml/2006/main" xmlns:r="http://schemas.openxmlformats.org/officeDocument/2006/relationships" xmlns:p="http://schemas.openxmlformats.org/presentationml/2006/main">
+  <p:cSld>
+    <p:spTree>
+      <p:nvGrpSpPr>
+        <p:cNvPr id="1" name=""/>
+        <p:cNvGrpSpPr/>
+        <p:nvPr/>
+      </p:nvGrpSpPr>
+      <p:grpSpPr/>
+      <p:sp>
+        <p:nvSpPr>
+          <p:cNvPr id="2" name="标题 1"/>
+          <p:cNvSpPr>
+            <a:spLocks noGrp="1"/>
+          </p:cNvSpPr>
+          <p:nvPr>
+            <p:ph type="ctrTitle"/>
+          </p:nvPr>
+        </p:nvSpPr>
+        <p:spPr/>
+        <p:txBody>
+          <a:bodyPr>
+            <a:normAutofit/>
+          </a:bodyPr>
+          <a:p>
+            <a:r>
+              <a:rPr lang="zh-CN" altLang="en-US"/>
+              <a:t>A</a:t>
+            </a:r>
+            <a:r>
+              <a:rPr lang="en-US" altLang="zh-CN"/>
+              <a:t> continuous</a:t>
+            </a:r>
+            <a:r>
+              <a:rPr lang="zh-CN" altLang="en-US"/>
+              <a:t> </a:t>
+            </a:r>
+            <a:r>
+              <a:rPr lang="en-US" altLang="zh-CN"/>
+              <a:t>motion feedback </a:t>
+            </a:r>
+            <a:r>
+              <a:rPr lang="zh-CN" altLang="en-US"/>
+              <a:t>controller</a:t>
+            </a:r>
+            <a:endParaRPr lang="zh-CN" altLang="en-US"/>
+          </a:p>
+        </p:txBody>
+      </p:sp>
+      <p:sp>
+        <p:nvSpPr>
+          <p:cNvPr id="3" name="副标题 2"/>
+          <p:cNvSpPr>
+            <a:spLocks noGrp="1"/>
+          </p:cNvSpPr>
+          <p:nvPr>
+            <p:ph type="subTitle" idx="1"/>
+          </p:nvPr>
+        </p:nvSpPr>
+        <p:spPr/>
+        <p:txBody>
+          <a:bodyPr/>
+          <a:p>
+            <a:r>
+              <a:rPr lang="zh-CN" altLang="en-US">
+                <a:sym typeface="+mn-ea"/>
+              </a:rPr>
+              <a:t>A</a:t>
+            </a:r>
+            <a:r>
+              <a:rPr lang="en-US" altLang="zh-CN">
+                <a:sym typeface="+mn-ea"/>
+              </a:rPr>
+              <a:t> </a:t>
+            </a:r>
+            <a:r>
+              <a:rPr lang="zh-CN" altLang="en-US">
+                <a:sym typeface="+mn-ea"/>
+              </a:rPr>
+              <a:t>controller that can </a:t>
+            </a:r>
+            <a:r>
+              <a:rPr lang="en-US" altLang="zh-CN">
+                <a:sym typeface="+mn-ea"/>
+              </a:rPr>
+              <a:t>continuously </a:t>
+            </a:r>
+            <a:r>
+              <a:rPr lang="zh-CN" altLang="en-US">
+                <a:sym typeface="+mn-ea"/>
+              </a:rPr>
+              <a:t>feedback the motion state of dynamic objects</a:t>
+            </a:r>
+            <a:r>
+              <a:rPr lang="en-US" altLang="zh-CN">
+                <a:sym typeface="+mn-ea"/>
+              </a:rPr>
+              <a:t> under VR environment</a:t>
+            </a:r>
+            <a:endParaRPr lang="en-US" altLang="zh-CN">
+              <a:sym typeface="+mn-ea"/>
+            </a:endParaRPr>
+          </a:p>
+        </p:txBody>
+      </p:sp>
+      <p:sp>
+        <p:nvSpPr>
+          <p:cNvPr id="4" name="灯片编号占位符 3"/>
+          <p:cNvSpPr>
+            <a:spLocks noGrp="1"/>
+          </p:cNvSpPr>
+          <p:nvPr>
+            <p:ph type="sldNum" sz="quarter" idx="12"/>
+          </p:nvPr>
+        </p:nvSpPr>
+        <p:spPr/>
+        <p:txBody>
+          <a:bodyPr/>
+          <a:p>
+            <a:fld id="{565CE74E-AB26-4998-AD42-012C4C1AD076}" type="slidenum">
+              <a:rPr lang="zh-CN" altLang="en-US" smtClean="0"/>
+            </a:fld>
+            <a:endParaRPr lang="zh-CN" altLang="en-US"/>
+          </a:p>
+        </p:txBody>
+      </p:sp>
+    </p:spTree>
+  </p:cSld>
+  <p:clrMapOvr>
+    <a:masterClrMapping/>
+  </p:clrMapOvr>
+</p:sld>
+</file>
+
+<file path=ppt/slides/slide11.xml><?xml version="1.0" encoding="utf-8"?>
+<p:sld xmlns:a="http://schemas.openxmlformats.org/drawingml/2006/main" xmlns:r="http://schemas.openxmlformats.org/officeDocument/2006/relationships" xmlns:p="http://schemas.openxmlformats.org/presentationml/2006/main">
+  <p:cSld>
+    <p:spTree>
+      <p:nvGrpSpPr>
+        <p:cNvPr id="1" name=""/>
+        <p:cNvGrpSpPr/>
+        <p:nvPr/>
+      </p:nvGrpSpPr>
+      <p:grpSpPr/>
+      <p:sp>
+        <p:nvSpPr>
+          <p:cNvPr id="2" name="标题 1"/>
+          <p:cNvSpPr>
+            <a:spLocks noGrp="1"/>
+          </p:cNvSpPr>
+          <p:nvPr>
+            <p:ph type="title"/>
+          </p:nvPr>
+        </p:nvSpPr>
+        <p:spPr/>
+        <p:txBody>
+          <a:bodyPr/>
+          <a:p>
+            <a:endParaRPr lang="zh-CN" altLang="en-US"/>
+          </a:p>
+        </p:txBody>
+      </p:sp>
+      <p:sp>
+        <p:nvSpPr>
+          <p:cNvPr id="3" name="内容占位符 2"/>
+          <p:cNvSpPr>
+            <a:spLocks noGrp="1"/>
+          </p:cNvSpPr>
+          <p:nvPr>
+            <p:ph idx="1"/>
+          </p:nvPr>
+        </p:nvSpPr>
+        <p:spPr/>
+        <p:txBody>
+          <a:bodyPr/>
+          <a:p>
+            <a:pPr marL="0" indent="0">
+              <a:buNone/>
+            </a:pPr>
+            <a:r>
+              <a:rPr lang="en-US" altLang="en-US"/>
+              <a:t>&gt; </a:t>
+            </a:r>
+            <a:r>
+              <a:rPr lang="zh-CN" altLang="en-US"/>
+              <a:t>A Survey on Simulation for Weight Perception in Virtual Reality</a:t>
+            </a:r>
+            <a:endParaRPr lang="zh-CN" altLang="en-US"/>
+          </a:p>
+          <a:p>
+            <a:endParaRPr lang="zh-CN" altLang="en-US"/>
+          </a:p>
+          <a:p>
+            <a:r>
+              <a:rPr lang="en-US" altLang="zh-CN"/>
+              <a:t>I</a:t>
+            </a:r>
+            <a:r>
+              <a:rPr lang="zh-CN" altLang="en-US"/>
+              <a:t>nconsistency of vistual feedback and real hand motion</a:t>
+            </a:r>
+            <a:endParaRPr lang="zh-CN" altLang="en-US"/>
+          </a:p>
+        </p:txBody>
+      </p:sp>
+      <p:sp>
+        <p:nvSpPr>
+          <p:cNvPr id="4" name="灯片编号占位符 3"/>
+          <p:cNvSpPr>
+            <a:spLocks noGrp="1"/>
+          </p:cNvSpPr>
+          <p:nvPr>
+            <p:ph type="sldNum" sz="quarter" idx="12"/>
+          </p:nvPr>
+        </p:nvSpPr>
+        <p:spPr/>
+        <p:txBody>
+          <a:bodyPr/>
+          <a:p>
+            <a:fld id="{565CE74E-AB26-4998-AD42-012C4C1AD076}" type="slidenum">
+              <a:rPr lang="zh-CN" altLang="en-US" smtClean="0"/>
+            </a:fld>
+            <a:endParaRPr lang="zh-CN" altLang="en-US"/>
+          </a:p>
+        </p:txBody>
+      </p:sp>
+    </p:spTree>
+  </p:cSld>
+  <p:clrMapOvr>
+    <a:masterClrMapping/>
+  </p:clrMapOvr>
+</p:sld>
+</file>
+
+<file path=ppt/slides/slide12.xml><?xml version="1.0" encoding="utf-8"?>
 <p:sld xmlns:a="http://schemas.openxmlformats.org/drawingml/2006/main" xmlns:r="http://schemas.openxmlformats.org/officeDocument/2006/relationships" xmlns:p="http://schemas.openxmlformats.org/presentationml/2006/main" show="0">
   <p:cSld>
     <p:spTree>
@@ -3881,6 +4170,157 @@
         <p:nvPr/>
       </p:nvGrpSpPr>
       <p:grpSpPr/>
+      <p:pic>
+        <p:nvPicPr>
+          <p:cNvPr id="6" name="图片 5" descr="005"/>
+          <p:cNvPicPr>
+            <a:picLocks noChangeAspect="1"/>
+          </p:cNvPicPr>
+          <p:nvPr>
+            <p:custDataLst>
+              <p:tags r:id="rId1"/>
+            </p:custDataLst>
+          </p:nvPr>
+        </p:nvPicPr>
+        <p:blipFill>
+          <a:blip r:embed="rId2"/>
+          <a:stretch>
+            <a:fillRect/>
+          </a:stretch>
+        </p:blipFill>
+        <p:spPr>
+          <a:xfrm>
+            <a:off x="4140200" y="528955"/>
+            <a:ext cx="7537450" cy="5800090"/>
+          </a:xfrm>
+          <a:prstGeom prst="rect">
+            <a:avLst/>
+          </a:prstGeom>
+        </p:spPr>
+      </p:pic>
+      <p:sp>
+        <p:nvSpPr>
+          <p:cNvPr id="2" name="标题 1"/>
+          <p:cNvSpPr>
+            <a:spLocks noGrp="1"/>
+          </p:cNvSpPr>
+          <p:nvPr>
+            <p:ph type="title"/>
+          </p:nvPr>
+        </p:nvSpPr>
+        <p:spPr/>
+        <p:txBody>
+          <a:bodyPr/>
+          <a:p>
+            <a:r>
+              <a:rPr lang="en-US" altLang="zh-CN"/>
+              <a:t>catalog by keywords</a:t>
+            </a:r>
+            <a:endParaRPr lang="en-US" altLang="zh-CN"/>
+          </a:p>
+        </p:txBody>
+      </p:sp>
+      <p:sp>
+        <p:nvSpPr>
+          <p:cNvPr id="3" name="内容占位符 2"/>
+          <p:cNvSpPr>
+            <a:spLocks noGrp="1"/>
+          </p:cNvSpPr>
+          <p:nvPr>
+            <p:ph idx="1"/>
+          </p:nvPr>
+        </p:nvSpPr>
+        <p:spPr>
+          <a:xfrm>
+            <a:off x="838200" y="1825625"/>
+            <a:ext cx="3483610" cy="4351655"/>
+          </a:xfrm>
+        </p:spPr>
+        <p:txBody>
+          <a:bodyPr/>
+          <a:p>
+            <a:pPr marL="0" indent="0">
+              <a:buNone/>
+            </a:pPr>
+            <a:r>
+              <a:rPr lang="zh-CN" altLang="en-US" sz="2000"/>
+              <a:t>criteria：</a:t>
+            </a:r>
+            <a:endParaRPr lang="zh-CN" altLang="en-US" sz="2000"/>
+          </a:p>
+          <a:p>
+            <a:r>
+              <a:rPr lang="en-US" altLang="zh-CN" sz="2000"/>
+              <a:t>keyword</a:t>
+            </a:r>
+            <a:endParaRPr lang="en-US" altLang="zh-CN" sz="2000"/>
+          </a:p>
+          <a:p>
+            <a:r>
+              <a:rPr lang="en-US" altLang="zh-CN" sz="2000"/>
+              <a:t>abstract &amp; introduction</a:t>
+            </a:r>
+            <a:endParaRPr lang="en-US" altLang="zh-CN" sz="2000"/>
+          </a:p>
+          <a:p>
+            <a:r>
+              <a:rPr lang="en-US" altLang="zh-CN" sz="2000"/>
+              <a:t>compared to others</a:t>
+            </a:r>
+            <a:endParaRPr lang="en-US" altLang="zh-CN" sz="2000"/>
+          </a:p>
+          <a:p>
+            <a:pPr marL="0" indent="0">
+              <a:buNone/>
+            </a:pPr>
+            <a:r>
+              <a:rPr lang="en-US" altLang="zh-CN" sz="1600"/>
+              <a:t>*Not classified to the category when it is not mentioned the concept.</a:t>
+            </a:r>
+            <a:endParaRPr lang="en-US" altLang="zh-CN" sz="1600"/>
+          </a:p>
+        </p:txBody>
+      </p:sp>
+      <p:sp>
+        <p:nvSpPr>
+          <p:cNvPr id="5" name="灯片编号占位符 4"/>
+          <p:cNvSpPr>
+            <a:spLocks noGrp="1"/>
+          </p:cNvSpPr>
+          <p:nvPr>
+            <p:ph type="sldNum" sz="quarter" idx="12"/>
+          </p:nvPr>
+        </p:nvSpPr>
+        <p:spPr/>
+        <p:txBody>
+          <a:bodyPr/>
+          <a:p>
+            <a:fld id="{565CE74E-AB26-4998-AD42-012C4C1AD076}" type="slidenum">
+              <a:rPr lang="zh-CN" altLang="en-US" smtClean="0"/>
+            </a:fld>
+            <a:endParaRPr lang="zh-CN" altLang="en-US"/>
+          </a:p>
+        </p:txBody>
+      </p:sp>
+    </p:spTree>
+  </p:cSld>
+  <p:clrMapOvr>
+    <a:masterClrMapping/>
+  </p:clrMapOvr>
+  <p:transition/>
+</p:sld>
+</file>
+
+<file path=ppt/slides/slide5.xml><?xml version="1.0" encoding="utf-8"?>
+<p:sld xmlns:a="http://schemas.openxmlformats.org/drawingml/2006/main" xmlns:r="http://schemas.openxmlformats.org/officeDocument/2006/relationships" xmlns:p="http://schemas.openxmlformats.org/presentationml/2006/main">
+  <p:cSld>
+    <p:spTree>
+      <p:nvGrpSpPr>
+        <p:cNvPr id="1" name=""/>
+        <p:cNvGrpSpPr/>
+        <p:nvPr/>
+      </p:nvGrpSpPr>
+      <p:grpSpPr/>
       <p:sp>
         <p:nvSpPr>
           <p:cNvPr id="2" name="标题 1"/>
@@ -3996,157 +4436,6 @@
   <p:clrMapOvr>
     <a:masterClrMapping/>
   </p:clrMapOvr>
-</p:sld>
-</file>
-
-<file path=ppt/slides/slide5.xml><?xml version="1.0" encoding="utf-8"?>
-<p:sld xmlns:a="http://schemas.openxmlformats.org/drawingml/2006/main" xmlns:r="http://schemas.openxmlformats.org/officeDocument/2006/relationships" xmlns:p="http://schemas.openxmlformats.org/presentationml/2006/main">
-  <p:cSld>
-    <p:spTree>
-      <p:nvGrpSpPr>
-        <p:cNvPr id="1" name=""/>
-        <p:cNvGrpSpPr/>
-        <p:nvPr/>
-      </p:nvGrpSpPr>
-      <p:grpSpPr/>
-      <p:pic>
-        <p:nvPicPr>
-          <p:cNvPr id="6" name="图片 5" descr="005"/>
-          <p:cNvPicPr>
-            <a:picLocks noChangeAspect="1"/>
-          </p:cNvPicPr>
-          <p:nvPr>
-            <p:custDataLst>
-              <p:tags r:id="rId1"/>
-            </p:custDataLst>
-          </p:nvPr>
-        </p:nvPicPr>
-        <p:blipFill>
-          <a:blip r:embed="rId2"/>
-          <a:stretch>
-            <a:fillRect/>
-          </a:stretch>
-        </p:blipFill>
-        <p:spPr>
-          <a:xfrm>
-            <a:off x="4140200" y="528955"/>
-            <a:ext cx="7537450" cy="5800090"/>
-          </a:xfrm>
-          <a:prstGeom prst="rect">
-            <a:avLst/>
-          </a:prstGeom>
-        </p:spPr>
-      </p:pic>
-      <p:sp>
-        <p:nvSpPr>
-          <p:cNvPr id="2" name="标题 1"/>
-          <p:cNvSpPr>
-            <a:spLocks noGrp="1"/>
-          </p:cNvSpPr>
-          <p:nvPr>
-            <p:ph type="title"/>
-          </p:nvPr>
-        </p:nvSpPr>
-        <p:spPr/>
-        <p:txBody>
-          <a:bodyPr/>
-          <a:p>
-            <a:r>
-              <a:rPr lang="en-US" altLang="zh-CN"/>
-              <a:t>catalog by keywords</a:t>
-            </a:r>
-            <a:endParaRPr lang="en-US" altLang="zh-CN"/>
-          </a:p>
-        </p:txBody>
-      </p:sp>
-      <p:sp>
-        <p:nvSpPr>
-          <p:cNvPr id="3" name="内容占位符 2"/>
-          <p:cNvSpPr>
-            <a:spLocks noGrp="1"/>
-          </p:cNvSpPr>
-          <p:nvPr>
-            <p:ph idx="1"/>
-          </p:nvPr>
-        </p:nvSpPr>
-        <p:spPr>
-          <a:xfrm>
-            <a:off x="838200" y="1825625"/>
-            <a:ext cx="3483610" cy="4351655"/>
-          </a:xfrm>
-        </p:spPr>
-        <p:txBody>
-          <a:bodyPr/>
-          <a:p>
-            <a:pPr marL="0" indent="0">
-              <a:buNone/>
-            </a:pPr>
-            <a:r>
-              <a:rPr lang="zh-CN" altLang="en-US" sz="2000"/>
-              <a:t>criteria：</a:t>
-            </a:r>
-            <a:endParaRPr lang="zh-CN" altLang="en-US" sz="2000"/>
-          </a:p>
-          <a:p>
-            <a:r>
-              <a:rPr lang="en-US" altLang="zh-CN" sz="2000"/>
-              <a:t>keyword</a:t>
-            </a:r>
-            <a:endParaRPr lang="en-US" altLang="zh-CN" sz="2000"/>
-          </a:p>
-          <a:p>
-            <a:r>
-              <a:rPr lang="en-US" altLang="zh-CN" sz="2000"/>
-              <a:t>abstract &amp; introduction</a:t>
-            </a:r>
-            <a:endParaRPr lang="en-US" altLang="zh-CN" sz="2000"/>
-          </a:p>
-          <a:p>
-            <a:r>
-              <a:rPr lang="en-US" altLang="zh-CN" sz="2000"/>
-              <a:t>compared to others</a:t>
-            </a:r>
-            <a:endParaRPr lang="en-US" altLang="zh-CN" sz="2000"/>
-          </a:p>
-          <a:p>
-            <a:pPr marL="0" indent="0">
-              <a:buNone/>
-            </a:pPr>
-            <a:r>
-              <a:rPr lang="en-US" altLang="zh-CN" sz="1600"/>
-              <a:t>*Not classified to the category when it is not mentioned the concept.</a:t>
-            </a:r>
-            <a:endParaRPr lang="en-US" altLang="zh-CN" sz="1600"/>
-          </a:p>
-        </p:txBody>
-      </p:sp>
-      <p:sp>
-        <p:nvSpPr>
-          <p:cNvPr id="5" name="灯片编号占位符 4"/>
-          <p:cNvSpPr>
-            <a:spLocks noGrp="1"/>
-          </p:cNvSpPr>
-          <p:nvPr>
-            <p:ph type="sldNum" sz="quarter" idx="12"/>
-          </p:nvPr>
-        </p:nvSpPr>
-        <p:spPr/>
-        <p:txBody>
-          <a:bodyPr/>
-          <a:p>
-            <a:fld id="{565CE74E-AB26-4998-AD42-012C4C1AD076}" type="slidenum">
-              <a:rPr lang="zh-CN" altLang="en-US" smtClean="0"/>
-            </a:fld>
-            <a:endParaRPr lang="zh-CN" altLang="en-US"/>
-          </a:p>
-        </p:txBody>
-      </p:sp>
-    </p:spTree>
-  </p:cSld>
-  <p:clrMapOvr>
-    <a:masterClrMapping/>
-  </p:clrMapOvr>
-  <p:transition/>
 </p:sld>
 </file>
 
